--- a/Search_-_External_Logs_ODM_Factories.pptx
+++ b/Search_-_External_Logs_ODM_Factories.pptx
@@ -1918,21 +1918,12 @@
     </dgm:pt>
     <dgm:pt modelId="{BAF7F54C-54BB-4E32-A3BE-70FDDE1ACC7A}" type="sibTrans" cxnId="{DEBC30EA-F307-450A-9FE0-DE38E709B7C6}">
       <dgm:prSet/>
-      <dgm:spPr>
-        <a:solidFill>
-          <a:schemeClr val="accent3"/>
-        </a:solidFill>
-      </dgm:spPr>
+      <dgm:spPr/>
       <dgm:t>
         <a:bodyPr/>
         <a:lstStyle/>
         <a:p>
-          <a:pPr algn="ctr"/>
-          <a:endParaRPr lang="en-US" sz="1600" dirty="0">
-            <a:solidFill>
-              <a:schemeClr val="tx1"/>
-            </a:solidFill>
-          </a:endParaRPr>
+          <a:endParaRPr lang="en-US" dirty="0"/>
         </a:p>
       </dgm:t>
     </dgm:pt>
@@ -2059,7 +2050,7 @@
       <dgm:spPr/>
     </dgm:pt>
     <dgm:pt modelId="{B48CEBB2-ABEF-3441-AEA3-83AB1BDCA6CB}" type="pres">
-      <dgm:prSet presAssocID="{BAF7F54C-54BB-4E32-A3BE-70FDDE1ACC7A}" presName="sibTrans" presStyleLbl="sibTrans2D1" presStyleIdx="0" presStyleCnt="1" custScaleX="108299" custScaleY="101552"/>
+      <dgm:prSet presAssocID="{BAF7F54C-54BB-4E32-A3BE-70FDDE1ACC7A}" presName="sibTrans" presStyleLbl="sibTrans2D1" presStyleIdx="0" presStyleCnt="1"/>
       <dgm:spPr/>
     </dgm:pt>
     <dgm:pt modelId="{CDFD3779-0C6D-ED4A-8A25-EEFA7EDEEBA8}" type="pres">
@@ -2280,8 +2271,8 @@
       </dsp:nvSpPr>
       <dsp:spPr>
         <a:xfrm rot="21533801">
-          <a:off x="3523817" y="443649"/>
-          <a:ext cx="1008771" cy="821177"/>
+          <a:off x="3562468" y="449924"/>
+          <a:ext cx="931469" cy="808628"/>
         </a:xfrm>
         <a:prstGeom prst="rightArrow">
           <a:avLst>
@@ -2290,7 +2281,12 @@
           </a:avLst>
         </a:prstGeom>
         <a:solidFill>
-          <a:schemeClr val="accent3"/>
+          <a:schemeClr val="accent2">
+            <a:hueOff val="0"/>
+            <a:satOff val="0"/>
+            <a:lumOff val="0"/>
+            <a:alphaOff val="0"/>
+          </a:schemeClr>
         </a:solidFill>
         <a:ln>
           <a:noFill/>
@@ -2317,7 +2313,7 @@
         </a:bodyPr>
         <a:lstStyle/>
         <a:p>
-          <a:pPr marL="0" lvl="0" indent="0" algn="ctr" defTabSz="1555750">
+          <a:pPr marL="0" lvl="0" indent="0" algn="ctr" defTabSz="1511300">
             <a:lnSpc>
               <a:spcPct val="90000"/>
             </a:lnSpc>
@@ -2329,16 +2325,12 @@
             </a:spcAft>
             <a:buNone/>
           </a:pPr>
-          <a:endParaRPr lang="en-US" sz="3500" kern="1200" dirty="0">
-            <a:solidFill>
-              <a:schemeClr val="tx1"/>
-            </a:solidFill>
-          </a:endParaRPr>
+          <a:endParaRPr lang="en-US" sz="3400" kern="1200" dirty="0"/>
         </a:p>
       </dsp:txBody>
       <dsp:txXfrm>
-        <a:off x="3523840" y="610256"/>
-        <a:ext cx="762418" cy="492707"/>
+        <a:off x="3562490" y="613986"/>
+        <a:ext cx="688881" cy="485176"/>
       </dsp:txXfrm>
     </dsp:sp>
     <dsp:sp modelId="{E284C749-1295-0C4F-B1FC-783A25129564}">
@@ -11462,7 +11454,7 @@
             <p:ph idx="1"/>
             <p:extLst>
               <p:ext uri="{D42A27DB-BD31-4B8C-83A1-F6EECF244321}">
-                <p14:modId xmlns:p14="http://schemas.microsoft.com/office/powerpoint/2010/main" val="743465240"/>
+                <p14:modId xmlns:p14="http://schemas.microsoft.com/office/powerpoint/2010/main" val="487247873"/>
               </p:ext>
             </p:extLst>
           </p:nvPr>
